--- a/doc/spring.pptx
+++ b/doc/spring.pptx
@@ -6,6 +6,7 @@
   </p:sldMasterIdLst>
   <p:sldIdLst>
     <p:sldId id="257" r:id="rId2"/>
+    <p:sldId id="258" r:id="rId3"/>
   </p:sldIdLst>
   <p:sldSz cx="12192000" cy="6858000"/>
   <p:notesSz cx="6858000" cy="9144000"/>
@@ -243,7 +244,7 @@
           <a:p>
             <a:fld id="{26960556-9D35-274B-9469-27993B55F0FA}" type="datetimeFigureOut">
               <a:rPr kumimoji="1" lang="zh-CN" altLang="en-US" smtClean="0"/>
-              <a:t>2020/3/8</a:t>
+              <a:t>2020/3/15</a:t>
             </a:fld>
             <a:endParaRPr kumimoji="1" lang="zh-CN" altLang="en-US"/>
           </a:p>
@@ -413,7 +414,7 @@
           <a:p>
             <a:fld id="{26960556-9D35-274B-9469-27993B55F0FA}" type="datetimeFigureOut">
               <a:rPr kumimoji="1" lang="zh-CN" altLang="en-US" smtClean="0"/>
-              <a:t>2020/3/8</a:t>
+              <a:t>2020/3/15</a:t>
             </a:fld>
             <a:endParaRPr kumimoji="1" lang="zh-CN" altLang="en-US"/>
           </a:p>
@@ -593,7 +594,7 @@
           <a:p>
             <a:fld id="{26960556-9D35-274B-9469-27993B55F0FA}" type="datetimeFigureOut">
               <a:rPr kumimoji="1" lang="zh-CN" altLang="en-US" smtClean="0"/>
-              <a:t>2020/3/8</a:t>
+              <a:t>2020/3/15</a:t>
             </a:fld>
             <a:endParaRPr kumimoji="1" lang="zh-CN" altLang="en-US"/>
           </a:p>
@@ -763,7 +764,7 @@
           <a:p>
             <a:fld id="{26960556-9D35-274B-9469-27993B55F0FA}" type="datetimeFigureOut">
               <a:rPr kumimoji="1" lang="zh-CN" altLang="en-US" smtClean="0"/>
-              <a:t>2020/3/8</a:t>
+              <a:t>2020/3/15</a:t>
             </a:fld>
             <a:endParaRPr kumimoji="1" lang="zh-CN" altLang="en-US"/>
           </a:p>
@@ -1009,7 +1010,7 @@
           <a:p>
             <a:fld id="{26960556-9D35-274B-9469-27993B55F0FA}" type="datetimeFigureOut">
               <a:rPr kumimoji="1" lang="zh-CN" altLang="en-US" smtClean="0"/>
-              <a:t>2020/3/8</a:t>
+              <a:t>2020/3/15</a:t>
             </a:fld>
             <a:endParaRPr kumimoji="1" lang="zh-CN" altLang="en-US"/>
           </a:p>
@@ -1241,7 +1242,7 @@
           <a:p>
             <a:fld id="{26960556-9D35-274B-9469-27993B55F0FA}" type="datetimeFigureOut">
               <a:rPr kumimoji="1" lang="zh-CN" altLang="en-US" smtClean="0"/>
-              <a:t>2020/3/8</a:t>
+              <a:t>2020/3/15</a:t>
             </a:fld>
             <a:endParaRPr kumimoji="1" lang="zh-CN" altLang="en-US"/>
           </a:p>
@@ -1608,7 +1609,7 @@
           <a:p>
             <a:fld id="{26960556-9D35-274B-9469-27993B55F0FA}" type="datetimeFigureOut">
               <a:rPr kumimoji="1" lang="zh-CN" altLang="en-US" smtClean="0"/>
-              <a:t>2020/3/8</a:t>
+              <a:t>2020/3/15</a:t>
             </a:fld>
             <a:endParaRPr kumimoji="1" lang="zh-CN" altLang="en-US"/>
           </a:p>
@@ -1726,7 +1727,7 @@
           <a:p>
             <a:fld id="{26960556-9D35-274B-9469-27993B55F0FA}" type="datetimeFigureOut">
               <a:rPr kumimoji="1" lang="zh-CN" altLang="en-US" smtClean="0"/>
-              <a:t>2020/3/8</a:t>
+              <a:t>2020/3/15</a:t>
             </a:fld>
             <a:endParaRPr kumimoji="1" lang="zh-CN" altLang="en-US"/>
           </a:p>
@@ -1821,7 +1822,7 @@
           <a:p>
             <a:fld id="{26960556-9D35-274B-9469-27993B55F0FA}" type="datetimeFigureOut">
               <a:rPr kumimoji="1" lang="zh-CN" altLang="en-US" smtClean="0"/>
-              <a:t>2020/3/8</a:t>
+              <a:t>2020/3/15</a:t>
             </a:fld>
             <a:endParaRPr kumimoji="1" lang="zh-CN" altLang="en-US"/>
           </a:p>
@@ -2098,7 +2099,7 @@
           <a:p>
             <a:fld id="{26960556-9D35-274B-9469-27993B55F0FA}" type="datetimeFigureOut">
               <a:rPr kumimoji="1" lang="zh-CN" altLang="en-US" smtClean="0"/>
-              <a:t>2020/3/8</a:t>
+              <a:t>2020/3/15</a:t>
             </a:fld>
             <a:endParaRPr kumimoji="1" lang="zh-CN" altLang="en-US"/>
           </a:p>
@@ -2351,7 +2352,7 @@
           <a:p>
             <a:fld id="{26960556-9D35-274B-9469-27993B55F0FA}" type="datetimeFigureOut">
               <a:rPr kumimoji="1" lang="zh-CN" altLang="en-US" smtClean="0"/>
-              <a:t>2020/3/8</a:t>
+              <a:t>2020/3/15</a:t>
             </a:fld>
             <a:endParaRPr kumimoji="1" lang="zh-CN" altLang="en-US"/>
           </a:p>
@@ -2564,7 +2565,7 @@
           <a:p>
             <a:fld id="{26960556-9D35-274B-9469-27993B55F0FA}" type="datetimeFigureOut">
               <a:rPr kumimoji="1" lang="zh-CN" altLang="en-US" smtClean="0"/>
-              <a:t>2020/3/8</a:t>
+              <a:t>2020/3/15</a:t>
             </a:fld>
             <a:endParaRPr kumimoji="1" lang="zh-CN" altLang="en-US"/>
           </a:p>
@@ -3674,6 +3675,531 @@
 </p:sld>
 </file>
 
+<file path=ppt/slides/slide2.xml><?xml version="1.0" encoding="utf-8"?>
+<p:sld xmlns:a="http://schemas.openxmlformats.org/drawingml/2006/main" xmlns:r="http://schemas.openxmlformats.org/officeDocument/2006/relationships" xmlns:p="http://schemas.openxmlformats.org/presentationml/2006/main">
+  <p:cSld>
+    <p:spTree>
+      <p:nvGrpSpPr>
+        <p:cNvPr id="1" name=""/>
+        <p:cNvGrpSpPr/>
+        <p:nvPr/>
+      </p:nvGrpSpPr>
+      <p:grpSpPr>
+        <a:xfrm>
+          <a:off x="0" y="0"/>
+          <a:ext cx="0" cy="0"/>
+          <a:chOff x="0" y="0"/>
+          <a:chExt cx="0" cy="0"/>
+        </a:xfrm>
+      </p:grpSpPr>
+      <p:sp>
+        <p:nvSpPr>
+          <p:cNvPr id="4" name="椭圆 3"/>
+          <p:cNvSpPr/>
+          <p:nvPr/>
+        </p:nvSpPr>
+        <p:spPr>
+          <a:xfrm>
+            <a:off x="4550979" y="1282263"/>
+            <a:ext cx="1219200" cy="1229710"/>
+          </a:xfrm>
+          <a:prstGeom prst="ellipse">
+            <a:avLst/>
+          </a:prstGeom>
+          <a:solidFill>
+            <a:srgbClr val="90CAB6"/>
+          </a:solidFill>
+        </p:spPr>
+        <p:style>
+          <a:lnRef idx="2">
+            <a:schemeClr val="accent1">
+              <a:shade val="50000"/>
+            </a:schemeClr>
+          </a:lnRef>
+          <a:fillRef idx="1">
+            <a:schemeClr val="accent1"/>
+          </a:fillRef>
+          <a:effectRef idx="0">
+            <a:schemeClr val="accent1"/>
+          </a:effectRef>
+          <a:fontRef idx="minor">
+            <a:schemeClr val="lt1"/>
+          </a:fontRef>
+        </p:style>
+        <p:txBody>
+          <a:bodyPr rtlCol="0" anchor="ctr"/>
+          <a:lstStyle/>
+          <a:p>
+            <a:pPr algn="ctr"/>
+            <a:endParaRPr kumimoji="1" lang="zh-CN" altLang="en-US" sz="1400" b="1" dirty="0"/>
+          </a:p>
+        </p:txBody>
+      </p:sp>
+      <p:sp>
+        <p:nvSpPr>
+          <p:cNvPr id="5" name="椭圆 4"/>
+          <p:cNvSpPr/>
+          <p:nvPr/>
+        </p:nvSpPr>
+        <p:spPr>
+          <a:xfrm>
+            <a:off x="3294993" y="3231932"/>
+            <a:ext cx="1219200" cy="1229710"/>
+          </a:xfrm>
+          <a:prstGeom prst="ellipse">
+            <a:avLst/>
+          </a:prstGeom>
+          <a:solidFill>
+            <a:srgbClr val="F7914D"/>
+          </a:solidFill>
+        </p:spPr>
+        <p:style>
+          <a:lnRef idx="2">
+            <a:schemeClr val="accent1">
+              <a:shade val="50000"/>
+            </a:schemeClr>
+          </a:lnRef>
+          <a:fillRef idx="1">
+            <a:schemeClr val="accent1"/>
+          </a:fillRef>
+          <a:effectRef idx="0">
+            <a:schemeClr val="accent1"/>
+          </a:effectRef>
+          <a:fontRef idx="minor">
+            <a:schemeClr val="lt1"/>
+          </a:fontRef>
+        </p:style>
+        <p:txBody>
+          <a:bodyPr rtlCol="0" anchor="ctr"/>
+          <a:lstStyle/>
+          <a:p>
+            <a:pPr algn="ctr"/>
+            <a:r>
+              <a:rPr kumimoji="1" lang="en-US" altLang="zh-CN" sz="1400" b="1" dirty="0" smtClean="0"/>
+              <a:t>View</a:t>
+            </a:r>
+            <a:endParaRPr kumimoji="1" lang="zh-CN" altLang="en-US" sz="1400" b="1" dirty="0"/>
+          </a:p>
+        </p:txBody>
+      </p:sp>
+      <p:sp>
+        <p:nvSpPr>
+          <p:cNvPr id="6" name="椭圆 5"/>
+          <p:cNvSpPr/>
+          <p:nvPr/>
+        </p:nvSpPr>
+        <p:spPr>
+          <a:xfrm>
+            <a:off x="5785944" y="3231932"/>
+            <a:ext cx="1219200" cy="1229710"/>
+          </a:xfrm>
+          <a:prstGeom prst="ellipse">
+            <a:avLst/>
+          </a:prstGeom>
+          <a:solidFill>
+            <a:srgbClr val="EBDC67"/>
+          </a:solidFill>
+        </p:spPr>
+        <p:style>
+          <a:lnRef idx="2">
+            <a:schemeClr val="accent1">
+              <a:shade val="50000"/>
+            </a:schemeClr>
+          </a:lnRef>
+          <a:fillRef idx="1">
+            <a:schemeClr val="accent1"/>
+          </a:fillRef>
+          <a:effectRef idx="0">
+            <a:schemeClr val="accent1"/>
+          </a:effectRef>
+          <a:fontRef idx="minor">
+            <a:schemeClr val="lt1"/>
+          </a:fontRef>
+        </p:style>
+        <p:txBody>
+          <a:bodyPr rtlCol="0" anchor="ctr"/>
+          <a:lstStyle/>
+          <a:p>
+            <a:pPr algn="ctr"/>
+            <a:r>
+              <a:rPr kumimoji="1" lang="en-US" altLang="zh-CN" sz="1400" b="1" dirty="0" smtClean="0">
+                <a:solidFill>
+                  <a:schemeClr val="tx2"/>
+                </a:solidFill>
+              </a:rPr>
+              <a:t>Model</a:t>
+            </a:r>
+            <a:endParaRPr kumimoji="1" lang="zh-CN" altLang="en-US" sz="1400" b="1" dirty="0">
+              <a:solidFill>
+                <a:schemeClr val="tx2"/>
+              </a:solidFill>
+            </a:endParaRPr>
+          </a:p>
+        </p:txBody>
+      </p:sp>
+      <p:sp>
+        <p:nvSpPr>
+          <p:cNvPr id="7" name="文本框 6"/>
+          <p:cNvSpPr txBox="1"/>
+          <p:nvPr/>
+        </p:nvSpPr>
+        <p:spPr>
+          <a:xfrm>
+            <a:off x="4708631" y="1733472"/>
+            <a:ext cx="952505" cy="307777"/>
+          </a:xfrm>
+          <a:prstGeom prst="rect">
+            <a:avLst/>
+          </a:prstGeom>
+          <a:noFill/>
+        </p:spPr>
+        <p:txBody>
+          <a:bodyPr wrap="none" rtlCol="0">
+            <a:spAutoFit/>
+          </a:bodyPr>
+          <a:lstStyle/>
+          <a:p>
+            <a:r>
+              <a:rPr kumimoji="1" lang="en-US" altLang="zh-CN" sz="1400" dirty="0">
+                <a:solidFill>
+                  <a:schemeClr val="bg1"/>
+                </a:solidFill>
+              </a:rPr>
+              <a:t>C</a:t>
+            </a:r>
+            <a:r>
+              <a:rPr kumimoji="1" lang="en-US" altLang="zh-CN" sz="1400" dirty="0" smtClean="0">
+                <a:solidFill>
+                  <a:schemeClr val="bg1"/>
+                </a:solidFill>
+              </a:rPr>
+              <a:t>ontroller</a:t>
+            </a:r>
+            <a:endParaRPr kumimoji="1" lang="zh-CN" altLang="en-US" sz="1400" dirty="0">
+              <a:solidFill>
+                <a:schemeClr val="bg1"/>
+              </a:solidFill>
+            </a:endParaRPr>
+          </a:p>
+        </p:txBody>
+      </p:sp>
+      <p:sp>
+        <p:nvSpPr>
+          <p:cNvPr id="8" name="矩形 7"/>
+          <p:cNvSpPr/>
+          <p:nvPr/>
+        </p:nvSpPr>
+        <p:spPr>
+          <a:xfrm>
+            <a:off x="7562192" y="3246874"/>
+            <a:ext cx="1008993" cy="409903"/>
+          </a:xfrm>
+          <a:prstGeom prst="rect">
+            <a:avLst/>
+          </a:prstGeom>
+          <a:solidFill>
+            <a:srgbClr val="8F94D5"/>
+          </a:solidFill>
+        </p:spPr>
+        <p:style>
+          <a:lnRef idx="2">
+            <a:schemeClr val="accent1">
+              <a:shade val="50000"/>
+            </a:schemeClr>
+          </a:lnRef>
+          <a:fillRef idx="1">
+            <a:schemeClr val="accent1"/>
+          </a:fillRef>
+          <a:effectRef idx="0">
+            <a:schemeClr val="accent1"/>
+          </a:effectRef>
+          <a:fontRef idx="minor">
+            <a:schemeClr val="lt1"/>
+          </a:fontRef>
+        </p:style>
+        <p:txBody>
+          <a:bodyPr rtlCol="0" anchor="ctr"/>
+          <a:lstStyle/>
+          <a:p>
+            <a:pPr algn="ctr"/>
+            <a:r>
+              <a:rPr kumimoji="1" lang="en-US" altLang="zh-CN" smtClean="0"/>
+              <a:t>service</a:t>
+            </a:r>
+            <a:endParaRPr kumimoji="1" lang="zh-CN" altLang="en-US" dirty="0"/>
+          </a:p>
+        </p:txBody>
+      </p:sp>
+      <p:sp>
+        <p:nvSpPr>
+          <p:cNvPr id="10" name="矩形 9"/>
+          <p:cNvSpPr/>
+          <p:nvPr/>
+        </p:nvSpPr>
+        <p:spPr>
+          <a:xfrm>
+            <a:off x="7577960" y="4256690"/>
+            <a:ext cx="1008993" cy="409903"/>
+          </a:xfrm>
+          <a:prstGeom prst="rect">
+            <a:avLst/>
+          </a:prstGeom>
+          <a:solidFill>
+            <a:srgbClr val="8F94D5"/>
+          </a:solidFill>
+        </p:spPr>
+        <p:style>
+          <a:lnRef idx="2">
+            <a:schemeClr val="accent1">
+              <a:shade val="50000"/>
+            </a:schemeClr>
+          </a:lnRef>
+          <a:fillRef idx="1">
+            <a:schemeClr val="accent1"/>
+          </a:fillRef>
+          <a:effectRef idx="0">
+            <a:schemeClr val="accent1"/>
+          </a:effectRef>
+          <a:fontRef idx="minor">
+            <a:schemeClr val="lt1"/>
+          </a:fontRef>
+        </p:style>
+        <p:txBody>
+          <a:bodyPr rtlCol="0" anchor="ctr"/>
+          <a:lstStyle/>
+          <a:p>
+            <a:pPr algn="ctr"/>
+            <a:r>
+              <a:rPr kumimoji="1" lang="en-US" altLang="zh-CN" dirty="0" err="1" smtClean="0"/>
+              <a:t>dao</a:t>
+            </a:r>
+            <a:endParaRPr kumimoji="1" lang="zh-CN" altLang="en-US" dirty="0"/>
+          </a:p>
+        </p:txBody>
+      </p:sp>
+      <p:cxnSp>
+        <p:nvCxnSpPr>
+          <p:cNvPr id="14" name="直线连接符 13"/>
+          <p:cNvCxnSpPr>
+            <a:stCxn id="4" idx="5"/>
+          </p:cNvCxnSpPr>
+          <p:nvPr/>
+        </p:nvCxnSpPr>
+        <p:spPr>
+          <a:xfrm>
+            <a:off x="5591631" y="2331886"/>
+            <a:ext cx="594857" cy="900046"/>
+          </a:xfrm>
+          <a:prstGeom prst="line">
+            <a:avLst/>
+          </a:prstGeom>
+          <a:ln>
+            <a:solidFill>
+              <a:schemeClr val="accent1"/>
+            </a:solidFill>
+            <a:prstDash val="sysDot"/>
+          </a:ln>
+        </p:spPr>
+        <p:style>
+          <a:lnRef idx="1">
+            <a:schemeClr val="accent1"/>
+          </a:lnRef>
+          <a:fillRef idx="0">
+            <a:schemeClr val="accent1"/>
+          </a:fillRef>
+          <a:effectRef idx="0">
+            <a:schemeClr val="accent1"/>
+          </a:effectRef>
+          <a:fontRef idx="minor">
+            <a:schemeClr val="tx1"/>
+          </a:fontRef>
+        </p:style>
+      </p:cxnSp>
+      <p:cxnSp>
+        <p:nvCxnSpPr>
+          <p:cNvPr id="18" name="直线连接符 17"/>
+          <p:cNvCxnSpPr>
+            <a:stCxn id="5" idx="6"/>
+            <a:endCxn id="6" idx="2"/>
+          </p:cNvCxnSpPr>
+          <p:nvPr/>
+        </p:nvCxnSpPr>
+        <p:spPr>
+          <a:xfrm>
+            <a:off x="4514193" y="3846787"/>
+            <a:ext cx="1271751" cy="0"/>
+          </a:xfrm>
+          <a:prstGeom prst="line">
+            <a:avLst/>
+          </a:prstGeom>
+          <a:ln>
+            <a:prstDash val="sysDot"/>
+          </a:ln>
+        </p:spPr>
+        <p:style>
+          <a:lnRef idx="1">
+            <a:schemeClr val="accent1"/>
+          </a:lnRef>
+          <a:fillRef idx="0">
+            <a:schemeClr val="accent1"/>
+          </a:fillRef>
+          <a:effectRef idx="0">
+            <a:schemeClr val="accent1"/>
+          </a:effectRef>
+          <a:fontRef idx="minor">
+            <a:schemeClr val="tx1"/>
+          </a:fontRef>
+        </p:style>
+      </p:cxnSp>
+      <p:cxnSp>
+        <p:nvCxnSpPr>
+          <p:cNvPr id="21" name="直线连接符 20"/>
+          <p:cNvCxnSpPr/>
+          <p:nvPr/>
+        </p:nvCxnSpPr>
+        <p:spPr>
+          <a:xfrm flipV="1">
+            <a:off x="4051737" y="2331886"/>
+            <a:ext cx="656894" cy="900046"/>
+          </a:xfrm>
+          <a:prstGeom prst="line">
+            <a:avLst/>
+          </a:prstGeom>
+          <a:ln>
+            <a:prstDash val="sysDot"/>
+          </a:ln>
+        </p:spPr>
+        <p:style>
+          <a:lnRef idx="1">
+            <a:schemeClr val="accent1"/>
+          </a:lnRef>
+          <a:fillRef idx="0">
+            <a:schemeClr val="accent1"/>
+          </a:fillRef>
+          <a:effectRef idx="0">
+            <a:schemeClr val="accent1"/>
+          </a:effectRef>
+          <a:fontRef idx="minor">
+            <a:schemeClr val="tx1"/>
+          </a:fontRef>
+        </p:style>
+      </p:cxnSp>
+      <p:cxnSp>
+        <p:nvCxnSpPr>
+          <p:cNvPr id="24" name="直线箭头连接符 23"/>
+          <p:cNvCxnSpPr>
+            <a:stCxn id="6" idx="6"/>
+            <a:endCxn id="8" idx="1"/>
+          </p:cNvCxnSpPr>
+          <p:nvPr/>
+        </p:nvCxnSpPr>
+        <p:spPr>
+          <a:xfrm flipV="1">
+            <a:off x="7005144" y="3451826"/>
+            <a:ext cx="557048" cy="394961"/>
+          </a:xfrm>
+          <a:prstGeom prst="straightConnector1">
+            <a:avLst/>
+          </a:prstGeom>
+          <a:ln>
+            <a:tailEnd type="triangle"/>
+          </a:ln>
+        </p:spPr>
+        <p:style>
+          <a:lnRef idx="1">
+            <a:schemeClr val="accent1"/>
+          </a:lnRef>
+          <a:fillRef idx="0">
+            <a:schemeClr val="accent1"/>
+          </a:fillRef>
+          <a:effectRef idx="0">
+            <a:schemeClr val="accent1"/>
+          </a:effectRef>
+          <a:fontRef idx="minor">
+            <a:schemeClr val="tx1"/>
+          </a:fontRef>
+        </p:style>
+      </p:cxnSp>
+      <p:cxnSp>
+        <p:nvCxnSpPr>
+          <p:cNvPr id="26" name="直线箭头连接符 25"/>
+          <p:cNvCxnSpPr/>
+          <p:nvPr/>
+        </p:nvCxnSpPr>
+        <p:spPr>
+          <a:xfrm>
+            <a:off x="7005144" y="4066681"/>
+            <a:ext cx="546701" cy="394960"/>
+          </a:xfrm>
+          <a:prstGeom prst="straightConnector1">
+            <a:avLst/>
+          </a:prstGeom>
+          <a:ln>
+            <a:tailEnd type="triangle"/>
+          </a:ln>
+        </p:spPr>
+        <p:style>
+          <a:lnRef idx="1">
+            <a:schemeClr val="accent1"/>
+          </a:lnRef>
+          <a:fillRef idx="0">
+            <a:schemeClr val="accent1"/>
+          </a:fillRef>
+          <a:effectRef idx="0">
+            <a:schemeClr val="accent1"/>
+          </a:effectRef>
+          <a:fontRef idx="minor">
+            <a:schemeClr val="tx1"/>
+          </a:fontRef>
+        </p:style>
+      </p:cxnSp>
+      <p:sp>
+        <p:nvSpPr>
+          <p:cNvPr id="31" name="文本框 30"/>
+          <p:cNvSpPr txBox="1"/>
+          <p:nvPr/>
+        </p:nvSpPr>
+        <p:spPr>
+          <a:xfrm>
+            <a:off x="4708631" y="582947"/>
+            <a:ext cx="1130438" cy="369332"/>
+          </a:xfrm>
+          <a:prstGeom prst="rect">
+            <a:avLst/>
+          </a:prstGeom>
+          <a:noFill/>
+        </p:spPr>
+        <p:txBody>
+          <a:bodyPr wrap="none" rtlCol="0">
+            <a:spAutoFit/>
+          </a:bodyPr>
+          <a:lstStyle/>
+          <a:p>
+            <a:r>
+              <a:rPr kumimoji="1" lang="en-US" altLang="zh-CN" dirty="0" smtClean="0"/>
+              <a:t>MVC</a:t>
+            </a:r>
+            <a:r>
+              <a:rPr kumimoji="1" lang="zh-CN" altLang="en-US" dirty="0" smtClean="0"/>
+              <a:t>模型</a:t>
+            </a:r>
+            <a:endParaRPr kumimoji="1" lang="zh-CN" altLang="en-US" dirty="0"/>
+          </a:p>
+        </p:txBody>
+      </p:sp>
+    </p:spTree>
+    <p:extLst>
+      <p:ext uri="{BB962C8B-B14F-4D97-AF65-F5344CB8AC3E}">
+        <p14:creationId xmlns:p14="http://schemas.microsoft.com/office/powerpoint/2010/main" val="967986626"/>
+      </p:ext>
+    </p:extLst>
+  </p:cSld>
+  <p:clrMapOvr>
+    <a:masterClrMapping/>
+  </p:clrMapOvr>
+</p:sld>
+</file>
+
 <file path=ppt/theme/theme1.xml><?xml version="1.0" encoding="utf-8"?>
 <a:theme xmlns:a="http://schemas.openxmlformats.org/drawingml/2006/main" name="Office 主题">
   <a:themeElements>

--- a/doc/spring.pptx
+++ b/doc/spring.pptx
@@ -7,6 +7,8 @@
   <p:sldIdLst>
     <p:sldId id="257" r:id="rId2"/>
     <p:sldId id="258" r:id="rId3"/>
+    <p:sldId id="259" r:id="rId4"/>
+    <p:sldId id="260" r:id="rId5"/>
   </p:sldIdLst>
   <p:sldSz cx="12192000" cy="6858000"/>
   <p:notesSz cx="6858000" cy="9144000"/>
@@ -244,7 +246,7 @@
           <a:p>
             <a:fld id="{26960556-9D35-274B-9469-27993B55F0FA}" type="datetimeFigureOut">
               <a:rPr kumimoji="1" lang="zh-CN" altLang="en-US" smtClean="0"/>
-              <a:t>2020/3/15</a:t>
+              <a:t>2020/4/4</a:t>
             </a:fld>
             <a:endParaRPr kumimoji="1" lang="zh-CN" altLang="en-US"/>
           </a:p>
@@ -414,7 +416,7 @@
           <a:p>
             <a:fld id="{26960556-9D35-274B-9469-27993B55F0FA}" type="datetimeFigureOut">
               <a:rPr kumimoji="1" lang="zh-CN" altLang="en-US" smtClean="0"/>
-              <a:t>2020/3/15</a:t>
+              <a:t>2020/4/4</a:t>
             </a:fld>
             <a:endParaRPr kumimoji="1" lang="zh-CN" altLang="en-US"/>
           </a:p>
@@ -594,7 +596,7 @@
           <a:p>
             <a:fld id="{26960556-9D35-274B-9469-27993B55F0FA}" type="datetimeFigureOut">
               <a:rPr kumimoji="1" lang="zh-CN" altLang="en-US" smtClean="0"/>
-              <a:t>2020/3/15</a:t>
+              <a:t>2020/4/4</a:t>
             </a:fld>
             <a:endParaRPr kumimoji="1" lang="zh-CN" altLang="en-US"/>
           </a:p>
@@ -764,7 +766,7 @@
           <a:p>
             <a:fld id="{26960556-9D35-274B-9469-27993B55F0FA}" type="datetimeFigureOut">
               <a:rPr kumimoji="1" lang="zh-CN" altLang="en-US" smtClean="0"/>
-              <a:t>2020/3/15</a:t>
+              <a:t>2020/4/4</a:t>
             </a:fld>
             <a:endParaRPr kumimoji="1" lang="zh-CN" altLang="en-US"/>
           </a:p>
@@ -1010,7 +1012,7 @@
           <a:p>
             <a:fld id="{26960556-9D35-274B-9469-27993B55F0FA}" type="datetimeFigureOut">
               <a:rPr kumimoji="1" lang="zh-CN" altLang="en-US" smtClean="0"/>
-              <a:t>2020/3/15</a:t>
+              <a:t>2020/4/4</a:t>
             </a:fld>
             <a:endParaRPr kumimoji="1" lang="zh-CN" altLang="en-US"/>
           </a:p>
@@ -1242,7 +1244,7 @@
           <a:p>
             <a:fld id="{26960556-9D35-274B-9469-27993B55F0FA}" type="datetimeFigureOut">
               <a:rPr kumimoji="1" lang="zh-CN" altLang="en-US" smtClean="0"/>
-              <a:t>2020/3/15</a:t>
+              <a:t>2020/4/4</a:t>
             </a:fld>
             <a:endParaRPr kumimoji="1" lang="zh-CN" altLang="en-US"/>
           </a:p>
@@ -1609,7 +1611,7 @@
           <a:p>
             <a:fld id="{26960556-9D35-274B-9469-27993B55F0FA}" type="datetimeFigureOut">
               <a:rPr kumimoji="1" lang="zh-CN" altLang="en-US" smtClean="0"/>
-              <a:t>2020/3/15</a:t>
+              <a:t>2020/4/4</a:t>
             </a:fld>
             <a:endParaRPr kumimoji="1" lang="zh-CN" altLang="en-US"/>
           </a:p>
@@ -1727,7 +1729,7 @@
           <a:p>
             <a:fld id="{26960556-9D35-274B-9469-27993B55F0FA}" type="datetimeFigureOut">
               <a:rPr kumimoji="1" lang="zh-CN" altLang="en-US" smtClean="0"/>
-              <a:t>2020/3/15</a:t>
+              <a:t>2020/4/4</a:t>
             </a:fld>
             <a:endParaRPr kumimoji="1" lang="zh-CN" altLang="en-US"/>
           </a:p>
@@ -1822,7 +1824,7 @@
           <a:p>
             <a:fld id="{26960556-9D35-274B-9469-27993B55F0FA}" type="datetimeFigureOut">
               <a:rPr kumimoji="1" lang="zh-CN" altLang="en-US" smtClean="0"/>
-              <a:t>2020/3/15</a:t>
+              <a:t>2020/4/4</a:t>
             </a:fld>
             <a:endParaRPr kumimoji="1" lang="zh-CN" altLang="en-US"/>
           </a:p>
@@ -2099,7 +2101,7 @@
           <a:p>
             <a:fld id="{26960556-9D35-274B-9469-27993B55F0FA}" type="datetimeFigureOut">
               <a:rPr kumimoji="1" lang="zh-CN" altLang="en-US" smtClean="0"/>
-              <a:t>2020/3/15</a:t>
+              <a:t>2020/4/4</a:t>
             </a:fld>
             <a:endParaRPr kumimoji="1" lang="zh-CN" altLang="en-US"/>
           </a:p>
@@ -2352,7 +2354,7 @@
           <a:p>
             <a:fld id="{26960556-9D35-274B-9469-27993B55F0FA}" type="datetimeFigureOut">
               <a:rPr kumimoji="1" lang="zh-CN" altLang="en-US" smtClean="0"/>
-              <a:t>2020/3/15</a:t>
+              <a:t>2020/4/4</a:t>
             </a:fld>
             <a:endParaRPr kumimoji="1" lang="zh-CN" altLang="en-US"/>
           </a:p>
@@ -2565,7 +2567,7 @@
           <a:p>
             <a:fld id="{26960556-9D35-274B-9469-27993B55F0FA}" type="datetimeFigureOut">
               <a:rPr kumimoji="1" lang="zh-CN" altLang="en-US" smtClean="0"/>
-              <a:t>2020/3/15</a:t>
+              <a:t>2020/4/4</a:t>
             </a:fld>
             <a:endParaRPr kumimoji="1" lang="zh-CN" altLang="en-US"/>
           </a:p>
@@ -3008,7 +3010,7 @@
           <a:p>
             <a:pPr algn="ctr"/>
             <a:r>
-              <a:rPr kumimoji="1" lang="en-US" altLang="zh-CN" sz="1200" dirty="0" err="1" smtClean="0">
+              <a:rPr kumimoji="1" lang="en-US" altLang="zh-CN" sz="1200" smtClean="0">
                 <a:solidFill>
                   <a:schemeClr val="tx1"/>
                 </a:solidFill>
@@ -3659,6 +3661,98 @@
               <a:t>：只能用在方法上，表明此方法创建一个对象</a:t>
             </a:r>
             <a:endParaRPr lang="en-US" altLang="zh-CN" sz="1200" dirty="0" smtClean="0"/>
+          </a:p>
+        </p:txBody>
+      </p:sp>
+      <p:sp>
+        <p:nvSpPr>
+          <p:cNvPr id="2" name="文本框 1"/>
+          <p:cNvSpPr txBox="1"/>
+          <p:nvPr/>
+        </p:nvSpPr>
+        <p:spPr>
+          <a:xfrm>
+            <a:off x="8132327" y="494722"/>
+            <a:ext cx="1771639" cy="430887"/>
+          </a:xfrm>
+          <a:prstGeom prst="rect">
+            <a:avLst/>
+          </a:prstGeom>
+          <a:noFill/>
+          <a:ln>
+            <a:solidFill>
+              <a:schemeClr val="accent1"/>
+            </a:solidFill>
+          </a:ln>
+        </p:spPr>
+        <p:txBody>
+          <a:bodyPr wrap="none" rtlCol="0">
+            <a:spAutoFit/>
+          </a:bodyPr>
+          <a:lstStyle/>
+          <a:p>
+            <a:r>
+              <a:rPr kumimoji="1" lang="en-US" altLang="zh-CN" sz="1100" dirty="0" err="1" smtClean="0"/>
+              <a:t>BeanDefinitionMap</a:t>
+            </a:r>
+            <a:endParaRPr kumimoji="1" lang="en-US" altLang="zh-CN" sz="1100" dirty="0" smtClean="0"/>
+          </a:p>
+          <a:p>
+            <a:r>
+              <a:rPr kumimoji="1" lang="en-US" altLang="zh-CN" sz="1100" dirty="0" err="1" smtClean="0"/>
+              <a:t>BeanFactoryPostProcessor</a:t>
+            </a:r>
+            <a:endParaRPr kumimoji="1" lang="zh-CN" altLang="en-US" sz="1100" dirty="0"/>
+          </a:p>
+        </p:txBody>
+      </p:sp>
+      <p:sp>
+        <p:nvSpPr>
+          <p:cNvPr id="3" name="文本框 2"/>
+          <p:cNvSpPr txBox="1"/>
+          <p:nvPr/>
+        </p:nvSpPr>
+        <p:spPr>
+          <a:xfrm>
+            <a:off x="876865" y="5598374"/>
+            <a:ext cx="4187365" cy="276999"/>
+          </a:xfrm>
+          <a:prstGeom prst="rect">
+            <a:avLst/>
+          </a:prstGeom>
+          <a:noFill/>
+        </p:spPr>
+        <p:txBody>
+          <a:bodyPr wrap="none" rtlCol="0">
+            <a:spAutoFit/>
+          </a:bodyPr>
+          <a:lstStyle/>
+          <a:p>
+            <a:r>
+              <a:rPr lang="en-US" altLang="zh-CN" sz="1200" dirty="0" err="1" smtClean="0"/>
+              <a:t>AbstractApplicationContext</a:t>
+            </a:r>
+            <a:r>
+              <a:rPr lang="zh-CN" altLang="en-US" sz="1200" dirty="0" smtClean="0"/>
+              <a:t>：</a:t>
+            </a:r>
+            <a:r>
+              <a:rPr lang="en-US" altLang="zh-CN" sz="1200" dirty="0" smtClean="0"/>
+              <a:t>refresh()</a:t>
+            </a:r>
+            <a:r>
+              <a:rPr lang="zh-CN" altLang="en-US" sz="1200" dirty="0" smtClean="0"/>
+              <a:t>方法，初始化</a:t>
+            </a:r>
+            <a:r>
+              <a:rPr lang="en-US" altLang="zh-CN" sz="1200" dirty="0" err="1" smtClean="0"/>
+              <a:t>ioc</a:t>
+            </a:r>
+            <a:r>
+              <a:rPr lang="zh-CN" altLang="en-US" sz="1200" dirty="0" smtClean="0"/>
+              <a:t>容器</a:t>
+            </a:r>
+            <a:endParaRPr kumimoji="1" lang="zh-CN" altLang="en-US" sz="1200" dirty="0"/>
           </a:p>
         </p:txBody>
       </p:sp>
@@ -4191,6 +4285,225 @@
     <p:extLst>
       <p:ext uri="{BB962C8B-B14F-4D97-AF65-F5344CB8AC3E}">
         <p14:creationId xmlns:p14="http://schemas.microsoft.com/office/powerpoint/2010/main" val="967986626"/>
+      </p:ext>
+    </p:extLst>
+  </p:cSld>
+  <p:clrMapOvr>
+    <a:masterClrMapping/>
+  </p:clrMapOvr>
+</p:sld>
+</file>
+
+<file path=ppt/slides/slide3.xml><?xml version="1.0" encoding="utf-8"?>
+<p:sld xmlns:a="http://schemas.openxmlformats.org/drawingml/2006/main" xmlns:r="http://schemas.openxmlformats.org/officeDocument/2006/relationships" xmlns:p="http://schemas.openxmlformats.org/presentationml/2006/main">
+  <p:cSld>
+    <p:spTree>
+      <p:nvGrpSpPr>
+        <p:cNvPr id="1" name=""/>
+        <p:cNvGrpSpPr/>
+        <p:nvPr/>
+      </p:nvGrpSpPr>
+      <p:grpSpPr>
+        <a:xfrm>
+          <a:off x="0" y="0"/>
+          <a:ext cx="0" cy="0"/>
+          <a:chOff x="0" y="0"/>
+          <a:chExt cx="0" cy="0"/>
+        </a:xfrm>
+      </p:grpSpPr>
+      <p:sp>
+        <p:nvSpPr>
+          <p:cNvPr id="5" name="矩形 4"/>
+          <p:cNvSpPr/>
+          <p:nvPr/>
+        </p:nvSpPr>
+        <p:spPr>
+          <a:xfrm>
+            <a:off x="3140797" y="725471"/>
+            <a:ext cx="1683834" cy="412596"/>
+          </a:xfrm>
+          <a:prstGeom prst="rect">
+            <a:avLst/>
+          </a:prstGeom>
+          <a:noFill/>
+        </p:spPr>
+        <p:style>
+          <a:lnRef idx="2">
+            <a:schemeClr val="accent1">
+              <a:shade val="50000"/>
+            </a:schemeClr>
+          </a:lnRef>
+          <a:fillRef idx="1">
+            <a:schemeClr val="accent1"/>
+          </a:fillRef>
+          <a:effectRef idx="0">
+            <a:schemeClr val="accent1"/>
+          </a:effectRef>
+          <a:fontRef idx="minor">
+            <a:schemeClr val="lt1"/>
+          </a:fontRef>
+        </p:style>
+        <p:txBody>
+          <a:bodyPr rtlCol="0" anchor="ctr"/>
+          <a:lstStyle/>
+          <a:p>
+            <a:pPr algn="ctr"/>
+            <a:r>
+              <a:rPr kumimoji="1" lang="en-US" altLang="zh-CN" sz="1200" smtClean="0">
+                <a:solidFill>
+                  <a:schemeClr val="tx1"/>
+                </a:solidFill>
+              </a:rPr>
+              <a:t>BeanFactory</a:t>
+            </a:r>
+            <a:endParaRPr kumimoji="1" lang="zh-CN" altLang="en-US" sz="1200" dirty="0">
+              <a:solidFill>
+                <a:schemeClr val="tx1"/>
+              </a:solidFill>
+            </a:endParaRPr>
+          </a:p>
+        </p:txBody>
+      </p:sp>
+      <p:sp>
+        <p:nvSpPr>
+          <p:cNvPr id="6" name="矩形 5"/>
+          <p:cNvSpPr/>
+          <p:nvPr/>
+        </p:nvSpPr>
+        <p:spPr>
+          <a:xfrm>
+            <a:off x="196108" y="1277265"/>
+            <a:ext cx="2319325" cy="412596"/>
+          </a:xfrm>
+          <a:prstGeom prst="rect">
+            <a:avLst/>
+          </a:prstGeom>
+          <a:noFill/>
+        </p:spPr>
+        <p:style>
+          <a:lnRef idx="2">
+            <a:schemeClr val="accent1">
+              <a:shade val="50000"/>
+            </a:schemeClr>
+          </a:lnRef>
+          <a:fillRef idx="1">
+            <a:schemeClr val="accent1"/>
+          </a:fillRef>
+          <a:effectRef idx="0">
+            <a:schemeClr val="accent1"/>
+          </a:effectRef>
+          <a:fontRef idx="minor">
+            <a:schemeClr val="lt1"/>
+          </a:fontRef>
+        </p:style>
+        <p:txBody>
+          <a:bodyPr rtlCol="0" anchor="ctr"/>
+          <a:lstStyle/>
+          <a:p>
+            <a:pPr algn="ctr"/>
+            <a:r>
+              <a:rPr kumimoji="1" lang="en-US" altLang="zh-CN" sz="1200" smtClean="0">
+                <a:solidFill>
+                  <a:schemeClr val="tx1"/>
+                </a:solidFill>
+              </a:rPr>
+              <a:t>DefaultListableBeanFactory</a:t>
+            </a:r>
+            <a:endParaRPr kumimoji="1" lang="zh-CN" altLang="en-US" sz="1200" dirty="0">
+              <a:solidFill>
+                <a:schemeClr val="tx1"/>
+              </a:solidFill>
+            </a:endParaRPr>
+          </a:p>
+        </p:txBody>
+      </p:sp>
+      <p:sp>
+        <p:nvSpPr>
+          <p:cNvPr id="7" name="矩形 6"/>
+          <p:cNvSpPr/>
+          <p:nvPr/>
+        </p:nvSpPr>
+        <p:spPr>
+          <a:xfrm>
+            <a:off x="5826190" y="725471"/>
+            <a:ext cx="1683834" cy="412596"/>
+          </a:xfrm>
+          <a:prstGeom prst="rect">
+            <a:avLst/>
+          </a:prstGeom>
+          <a:noFill/>
+        </p:spPr>
+        <p:style>
+          <a:lnRef idx="2">
+            <a:schemeClr val="accent1">
+              <a:shade val="50000"/>
+            </a:schemeClr>
+          </a:lnRef>
+          <a:fillRef idx="1">
+            <a:schemeClr val="accent1"/>
+          </a:fillRef>
+          <a:effectRef idx="0">
+            <a:schemeClr val="accent1"/>
+          </a:effectRef>
+          <a:fontRef idx="minor">
+            <a:schemeClr val="lt1"/>
+          </a:fontRef>
+        </p:style>
+        <p:txBody>
+          <a:bodyPr rtlCol="0" anchor="ctr"/>
+          <a:lstStyle/>
+          <a:p>
+            <a:pPr algn="ctr"/>
+            <a:r>
+              <a:rPr kumimoji="1" lang="en-US" altLang="zh-CN" sz="1200" dirty="0" err="1" smtClean="0">
+                <a:solidFill>
+                  <a:schemeClr val="tx1"/>
+                </a:solidFill>
+              </a:rPr>
+              <a:t>BeanDefinition</a:t>
+            </a:r>
+            <a:endParaRPr kumimoji="1" lang="zh-CN" altLang="en-US" sz="1200" dirty="0">
+              <a:solidFill>
+                <a:schemeClr val="tx1"/>
+              </a:solidFill>
+            </a:endParaRPr>
+          </a:p>
+        </p:txBody>
+      </p:sp>
+    </p:spTree>
+    <p:extLst>
+      <p:ext uri="{BB962C8B-B14F-4D97-AF65-F5344CB8AC3E}">
+        <p14:creationId xmlns:p14="http://schemas.microsoft.com/office/powerpoint/2010/main" val="1690568157"/>
+      </p:ext>
+    </p:extLst>
+  </p:cSld>
+  <p:clrMapOvr>
+    <a:masterClrMapping/>
+  </p:clrMapOvr>
+</p:sld>
+</file>
+
+<file path=ppt/slides/slide4.xml><?xml version="1.0" encoding="utf-8"?>
+<p:sld xmlns:a="http://schemas.openxmlformats.org/drawingml/2006/main" xmlns:r="http://schemas.openxmlformats.org/officeDocument/2006/relationships" xmlns:p="http://schemas.openxmlformats.org/presentationml/2006/main">
+  <p:cSld>
+    <p:spTree>
+      <p:nvGrpSpPr>
+        <p:cNvPr id="1" name=""/>
+        <p:cNvGrpSpPr/>
+        <p:nvPr/>
+      </p:nvGrpSpPr>
+      <p:grpSpPr>
+        <a:xfrm>
+          <a:off x="0" y="0"/>
+          <a:ext cx="0" cy="0"/>
+          <a:chOff x="0" y="0"/>
+          <a:chExt cx="0" cy="0"/>
+        </a:xfrm>
+      </p:grpSpPr>
+    </p:spTree>
+    <p:extLst>
+      <p:ext uri="{BB962C8B-B14F-4D97-AF65-F5344CB8AC3E}">
+        <p14:creationId xmlns:p14="http://schemas.microsoft.com/office/powerpoint/2010/main" val="183657037"/>
       </p:ext>
     </p:extLst>
   </p:cSld>
